--- a/intermediate presentation/Digitalization Of Business Processes.pptx
+++ b/intermediate presentation/Digitalization Of Business Processes.pptx
@@ -111,6 +111,11 @@
       </a:defRPr>
     </a:lvl9pPr>
   </p:defaultTextStyle>
+  <p:extLst>
+    <p:ext uri="{EFAFB233-063F-42B5-8137-9DF3F51BA10A}">
+      <p15:sldGuideLst xmlns:p15="http://schemas.microsoft.com/office/powerpoint/2012/main"/>
+    </p:ext>
+  </p:extLst>
 </p:presentation>
 </file>
 
@@ -245,7 +250,7 @@
           <a:p>
             <a:fld id="{64903583-7E18-4096-992C-8EC3A44CC919}" type="datetimeFigureOut">
               <a:rPr lang="en-US" smtClean="0"/>
-              <a:t>4/10/2018</a:t>
+              <a:t>4/12/18</a:t>
             </a:fld>
             <a:endParaRPr lang="en-US"/>
           </a:p>
@@ -287,7 +292,7 @@
           <a:p>
             <a:fld id="{B596508C-66C8-486B-8A7B-D95F1BE8AD59}" type="slidenum">
               <a:rPr lang="en-US" smtClean="0"/>
-              <a:t>‹#›</a:t>
+              <a:t>‹Nr.›</a:t>
             </a:fld>
             <a:endParaRPr lang="en-US"/>
           </a:p>
@@ -415,7 +420,7 @@
           <a:p>
             <a:fld id="{64903583-7E18-4096-992C-8EC3A44CC919}" type="datetimeFigureOut">
               <a:rPr lang="en-US" smtClean="0"/>
-              <a:t>4/10/2018</a:t>
+              <a:t>4/12/18</a:t>
             </a:fld>
             <a:endParaRPr lang="en-US"/>
           </a:p>
@@ -457,7 +462,7 @@
           <a:p>
             <a:fld id="{B596508C-66C8-486B-8A7B-D95F1BE8AD59}" type="slidenum">
               <a:rPr lang="en-US" smtClean="0"/>
-              <a:t>‹#›</a:t>
+              <a:t>‹Nr.›</a:t>
             </a:fld>
             <a:endParaRPr lang="en-US"/>
           </a:p>
@@ -595,7 +600,7 @@
           <a:p>
             <a:fld id="{64903583-7E18-4096-992C-8EC3A44CC919}" type="datetimeFigureOut">
               <a:rPr lang="en-US" smtClean="0"/>
-              <a:t>4/10/2018</a:t>
+              <a:t>4/12/18</a:t>
             </a:fld>
             <a:endParaRPr lang="en-US"/>
           </a:p>
@@ -637,7 +642,7 @@
           <a:p>
             <a:fld id="{B596508C-66C8-486B-8A7B-D95F1BE8AD59}" type="slidenum">
               <a:rPr lang="en-US" smtClean="0"/>
-              <a:t>‹#›</a:t>
+              <a:t>‹Nr.›</a:t>
             </a:fld>
             <a:endParaRPr lang="en-US"/>
           </a:p>
@@ -1103,7 +1108,7 @@
           <a:p>
             <a:fld id="{64903583-7E18-4096-992C-8EC3A44CC919}" type="datetimeFigureOut">
               <a:rPr lang="en-US" smtClean="0"/>
-              <a:t>4/10/2018</a:t>
+              <a:t>4/12/18</a:t>
             </a:fld>
             <a:endParaRPr lang="en-US"/>
           </a:p>
@@ -1145,7 +1150,7 @@
           <a:p>
             <a:fld id="{B596508C-66C8-486B-8A7B-D95F1BE8AD59}" type="slidenum">
               <a:rPr lang="en-US" smtClean="0"/>
-              <a:t>‹#›</a:t>
+              <a:t>‹Nr.›</a:t>
             </a:fld>
             <a:endParaRPr lang="en-US"/>
           </a:p>
@@ -1349,7 +1354,7 @@
           <a:p>
             <a:fld id="{64903583-7E18-4096-992C-8EC3A44CC919}" type="datetimeFigureOut">
               <a:rPr lang="en-US" smtClean="0"/>
-              <a:t>4/10/2018</a:t>
+              <a:t>4/12/18</a:t>
             </a:fld>
             <a:endParaRPr lang="en-US"/>
           </a:p>
@@ -1391,7 +1396,7 @@
           <a:p>
             <a:fld id="{B596508C-66C8-486B-8A7B-D95F1BE8AD59}" type="slidenum">
               <a:rPr lang="en-US" smtClean="0"/>
-              <a:t>‹#›</a:t>
+              <a:t>‹Nr.›</a:t>
             </a:fld>
             <a:endParaRPr lang="en-US"/>
           </a:p>
@@ -1581,7 +1586,7 @@
           <a:p>
             <a:fld id="{64903583-7E18-4096-992C-8EC3A44CC919}" type="datetimeFigureOut">
               <a:rPr lang="en-US" smtClean="0"/>
-              <a:t>4/10/2018</a:t>
+              <a:t>4/12/18</a:t>
             </a:fld>
             <a:endParaRPr lang="en-US"/>
           </a:p>
@@ -1623,7 +1628,7 @@
           <a:p>
             <a:fld id="{B596508C-66C8-486B-8A7B-D95F1BE8AD59}" type="slidenum">
               <a:rPr lang="en-US" smtClean="0"/>
-              <a:t>‹#›</a:t>
+              <a:t>‹Nr.›</a:t>
             </a:fld>
             <a:endParaRPr lang="en-US"/>
           </a:p>
@@ -1948,7 +1953,7 @@
           <a:p>
             <a:fld id="{64903583-7E18-4096-992C-8EC3A44CC919}" type="datetimeFigureOut">
               <a:rPr lang="en-US" smtClean="0"/>
-              <a:t>4/10/2018</a:t>
+              <a:t>4/12/18</a:t>
             </a:fld>
             <a:endParaRPr lang="en-US"/>
           </a:p>
@@ -1990,7 +1995,7 @@
           <a:p>
             <a:fld id="{B596508C-66C8-486B-8A7B-D95F1BE8AD59}" type="slidenum">
               <a:rPr lang="en-US" smtClean="0"/>
-              <a:t>‹#›</a:t>
+              <a:t>‹Nr.›</a:t>
             </a:fld>
             <a:endParaRPr lang="en-US"/>
           </a:p>
@@ -2066,7 +2071,7 @@
           <a:p>
             <a:fld id="{64903583-7E18-4096-992C-8EC3A44CC919}" type="datetimeFigureOut">
               <a:rPr lang="en-US" smtClean="0"/>
-              <a:t>4/10/2018</a:t>
+              <a:t>4/12/18</a:t>
             </a:fld>
             <a:endParaRPr lang="en-US"/>
           </a:p>
@@ -2108,7 +2113,7 @@
           <a:p>
             <a:fld id="{B596508C-66C8-486B-8A7B-D95F1BE8AD59}" type="slidenum">
               <a:rPr lang="en-US" smtClean="0"/>
-              <a:t>‹#›</a:t>
+              <a:t>‹Nr.›</a:t>
             </a:fld>
             <a:endParaRPr lang="en-US"/>
           </a:p>
@@ -2161,7 +2166,7 @@
           <a:p>
             <a:fld id="{64903583-7E18-4096-992C-8EC3A44CC919}" type="datetimeFigureOut">
               <a:rPr lang="en-US" smtClean="0"/>
-              <a:t>4/10/2018</a:t>
+              <a:t>4/12/18</a:t>
             </a:fld>
             <a:endParaRPr lang="en-US"/>
           </a:p>
@@ -2203,7 +2208,7 @@
           <a:p>
             <a:fld id="{B596508C-66C8-486B-8A7B-D95F1BE8AD59}" type="slidenum">
               <a:rPr lang="en-US" smtClean="0"/>
-              <a:t>‹#›</a:t>
+              <a:t>‹Nr.›</a:t>
             </a:fld>
             <a:endParaRPr lang="en-US"/>
           </a:p>
@@ -2438,7 +2443,7 @@
           <a:p>
             <a:fld id="{64903583-7E18-4096-992C-8EC3A44CC919}" type="datetimeFigureOut">
               <a:rPr lang="en-US" smtClean="0"/>
-              <a:t>4/10/2018</a:t>
+              <a:t>4/12/18</a:t>
             </a:fld>
             <a:endParaRPr lang="en-US"/>
           </a:p>
@@ -2480,7 +2485,7 @@
           <a:p>
             <a:fld id="{B596508C-66C8-486B-8A7B-D95F1BE8AD59}" type="slidenum">
               <a:rPr lang="en-US" smtClean="0"/>
-              <a:t>‹#›</a:t>
+              <a:t>‹Nr.›</a:t>
             </a:fld>
             <a:endParaRPr lang="en-US"/>
           </a:p>
@@ -2691,7 +2696,7 @@
           <a:p>
             <a:fld id="{64903583-7E18-4096-992C-8EC3A44CC919}" type="datetimeFigureOut">
               <a:rPr lang="en-US" smtClean="0"/>
-              <a:t>4/10/2018</a:t>
+              <a:t>4/12/18</a:t>
             </a:fld>
             <a:endParaRPr lang="en-US"/>
           </a:p>
@@ -2733,7 +2738,7 @@
           <a:p>
             <a:fld id="{B596508C-66C8-486B-8A7B-D95F1BE8AD59}" type="slidenum">
               <a:rPr lang="en-US" smtClean="0"/>
-              <a:t>‹#›</a:t>
+              <a:t>‹Nr.›</a:t>
             </a:fld>
             <a:endParaRPr lang="en-US"/>
           </a:p>
@@ -2904,7 +2909,7 @@
           <a:p>
             <a:fld id="{64903583-7E18-4096-992C-8EC3A44CC919}" type="datetimeFigureOut">
               <a:rPr lang="en-US" smtClean="0"/>
-              <a:t>4/10/2018</a:t>
+              <a:t>4/12/18</a:t>
             </a:fld>
             <a:endParaRPr lang="en-US"/>
           </a:p>
@@ -2982,7 +2987,7 @@
           <a:p>
             <a:fld id="{B596508C-66C8-486B-8A7B-D95F1BE8AD59}" type="slidenum">
               <a:rPr lang="en-US" smtClean="0"/>
-              <a:t>‹#›</a:t>
+              <a:t>‹Nr.›</a:t>
             </a:fld>
             <a:endParaRPr lang="en-US"/>
           </a:p>
@@ -3455,7 +3460,7 @@
         <p:spPr>
           <a:xfrm>
             <a:off x="953433" y="2951286"/>
-            <a:ext cx="4172756" cy="2800767"/>
+            <a:ext cx="4172756" cy="2431435"/>
           </a:xfrm>
           <a:prstGeom prst="rect">
             <a:avLst/>
@@ -3489,7 +3494,6 @@
               <a:rPr lang="en-GB" sz="2400" b="1" dirty="0" smtClean="0"/>
               <a:t> </a:t>
             </a:r>
-            <a:endParaRPr lang="en-GB" sz="2400" b="1" dirty="0" smtClean="0"/>
           </a:p>
           <a:p>
             <a:r>
@@ -3519,19 +3523,8 @@
               <a:t>Oliver </a:t>
             </a:r>
             <a:r>
-              <a:rPr lang="en-GB" sz="2400" b="1" dirty="0" err="1" smtClean="0"/>
+              <a:rPr lang="en-GB" sz="2400" b="1" smtClean="0"/>
               <a:t>Freiermuth</a:t>
-            </a:r>
-            <a:endParaRPr lang="en-GB" sz="2400" b="1" dirty="0" smtClean="0"/>
-          </a:p>
-          <a:p>
-            <a:r>
-              <a:rPr lang="en-GB" sz="2400" b="1" dirty="0" smtClean="0"/>
-              <a:t>Thomas </a:t>
-            </a:r>
-            <a:r>
-              <a:rPr lang="en-GB" sz="2400" b="1" dirty="0" err="1" smtClean="0"/>
-              <a:t>Geiser</a:t>
             </a:r>
             <a:endParaRPr lang="en-GB" sz="2400" b="1" dirty="0" smtClean="0"/>
           </a:p>
